--- a/Royal candy cukorgyár.pptx
+++ b/Royal candy cukorgyár.pptx
@@ -7065,15 +7065,11 @@
           <a:p>
             <a:r>
               <a:rPr lang="hu-HU" dirty="0" smtClean="0"/>
-              <a:t>Megtekinthetik, hogy hogyan készült régen </a:t>
-            </a:r>
-            <a:r>
-              <a:rPr lang="hu-HU" smtClean="0"/>
-              <a:t>egy csokoládé</a:t>
-            </a:r>
-          </a:p>
-          <a:p>
-            <a:endParaRPr lang="hu-HU"/>
+              <a:t>Megtekinthetik, hogy hogyan készült régen egy csokoládé</a:t>
+            </a:r>
+          </a:p>
+          <a:p>
+            <a:endParaRPr lang="hu-HU" dirty="0"/>
           </a:p>
         </p:txBody>
       </p:sp>

--- a/Royal candy cukorgyár.pptx
+++ b/Royal candy cukorgyár.pptx
@@ -6,9 +6,9 @@
   </p:sldMasterIdLst>
   <p:sldIdLst>
     <p:sldId id="256" r:id="rId2"/>
-    <p:sldId id="259" r:id="rId3"/>
-    <p:sldId id="257" r:id="rId4"/>
-    <p:sldId id="258" r:id="rId5"/>
+    <p:sldId id="261" r:id="rId3"/>
+    <p:sldId id="258" r:id="rId4"/>
+    <p:sldId id="260" r:id="rId5"/>
   </p:sldIdLst>
   <p:sldSz cx="12192000" cy="6858000"/>
   <p:notesSz cx="6858000" cy="9144000"/>
@@ -107,6 +107,11 @@
       </a:defRPr>
     </a:lvl9pPr>
   </p:defaultTextStyle>
+  <p:extLst>
+    <p:ext uri="{EFAFB233-063F-42B5-8137-9DF3F51BA10A}">
+      <p15:sldGuideLst xmlns:p15="http://schemas.microsoft.com/office/powerpoint/2012/main"/>
+    </p:ext>
+  </p:extLst>
 </p:presentation>
 </file>
 
@@ -1322,7 +1327,7 @@
             <a:fld id="{9334D819-9F07-4261-B09B-9E467E5D9002}" type="datetimeFigureOut">
               <a:rPr lang="en-US" dirty="0"/>
               <a:pPr/>
-              <a:t>11/29/2021</a:t>
+              <a:t>12/6/2021</a:t>
             </a:fld>
             <a:endParaRPr lang="en-US" dirty="0"/>
           </a:p>
@@ -1556,7 +1561,7 @@
           <a:p>
             <a:fld id="{9334D819-9F07-4261-B09B-9E467E5D9002}" type="datetimeFigureOut">
               <a:rPr lang="en-US" dirty="0"/>
-              <a:t>11/29/2021</a:t>
+              <a:t>12/6/2021</a:t>
             </a:fld>
             <a:endParaRPr lang="en-US" dirty="0"/>
           </a:p>
@@ -1731,7 +1736,7 @@
           <a:p>
             <a:fld id="{9334D819-9F07-4261-B09B-9E467E5D9002}" type="datetimeFigureOut">
               <a:rPr lang="en-US" dirty="0"/>
-              <a:t>11/29/2021</a:t>
+              <a:t>12/6/2021</a:t>
             </a:fld>
             <a:endParaRPr lang="en-US" dirty="0"/>
           </a:p>
@@ -1896,7 +1901,7 @@
           <a:p>
             <a:fld id="{9334D819-9F07-4261-B09B-9E467E5D9002}" type="datetimeFigureOut">
               <a:rPr lang="en-US" dirty="0"/>
-              <a:t>11/29/2021</a:t>
+              <a:t>12/6/2021</a:t>
             </a:fld>
             <a:endParaRPr lang="en-US" dirty="0"/>
           </a:p>
@@ -2165,7 +2170,7 @@
             <a:fld id="{9334D819-9F07-4261-B09B-9E467E5D9002}" type="datetimeFigureOut">
               <a:rPr lang="en-US" dirty="0"/>
               <a:pPr/>
-              <a:t>11/29/2021</a:t>
+              <a:t>12/6/2021</a:t>
             </a:fld>
             <a:endParaRPr lang="en-US" dirty="0"/>
           </a:p>
@@ -3362,7 +3367,7 @@
           <a:p>
             <a:fld id="{9334D819-9F07-4261-B09B-9E467E5D9002}" type="datetimeFigureOut">
               <a:rPr lang="en-US" dirty="0"/>
-              <a:t>11/29/2021</a:t>
+              <a:t>12/6/2021</a:t>
             </a:fld>
             <a:endParaRPr lang="en-US" dirty="0"/>
           </a:p>
@@ -3747,7 +3752,7 @@
           <a:p>
             <a:fld id="{9334D819-9F07-4261-B09B-9E467E5D9002}" type="datetimeFigureOut">
               <a:rPr lang="en-US" dirty="0"/>
-              <a:t>11/29/2021</a:t>
+              <a:t>12/6/2021</a:t>
             </a:fld>
             <a:endParaRPr lang="en-US" dirty="0"/>
           </a:p>
@@ -3865,7 +3870,7 @@
           <a:p>
             <a:fld id="{9334D819-9F07-4261-B09B-9E467E5D9002}" type="datetimeFigureOut">
               <a:rPr lang="en-US" dirty="0"/>
-              <a:t>11/29/2021</a:t>
+              <a:t>12/6/2021</a:t>
             </a:fld>
             <a:endParaRPr lang="en-US" dirty="0"/>
           </a:p>
@@ -3955,7 +3960,7 @@
           <a:p>
             <a:fld id="{9334D819-9F07-4261-B09B-9E467E5D9002}" type="datetimeFigureOut">
               <a:rPr lang="en-US" dirty="0"/>
-              <a:t>11/29/2021</a:t>
+              <a:t>12/6/2021</a:t>
             </a:fld>
             <a:endParaRPr lang="en-US" dirty="0"/>
           </a:p>
@@ -4713,7 +4718,7 @@
           <a:p>
             <a:fld id="{9334D819-9F07-4261-B09B-9E467E5D9002}" type="datetimeFigureOut">
               <a:rPr lang="en-US" dirty="0"/>
-              <a:t>11/29/2021</a:t>
+              <a:t>12/6/2021</a:t>
             </a:fld>
             <a:endParaRPr lang="en-US" dirty="0"/>
           </a:p>
@@ -5548,7 +5553,7 @@
           <a:p>
             <a:fld id="{9334D819-9F07-4261-B09B-9E467E5D9002}" type="datetimeFigureOut">
               <a:rPr lang="en-US" dirty="0"/>
-              <a:t>11/29/2021</a:t>
+              <a:t>12/6/2021</a:t>
             </a:fld>
             <a:endParaRPr lang="en-US" dirty="0"/>
           </a:p>
@@ -5771,7 +5776,7 @@
             <a:fld id="{9334D819-9F07-4261-B09B-9E467E5D9002}" type="datetimeFigureOut">
               <a:rPr lang="en-US" dirty="0"/>
               <a:pPr/>
-              <a:t>11/29/2021</a:t>
+              <a:t>12/6/2021</a:t>
             </a:fld>
             <a:endParaRPr lang="en-US" dirty="0"/>
           </a:p>
@@ -6881,11 +6886,6 @@
               </a:rPr>
               <a:t>Váradi Dávid, Vámosi Attila, Kovács Máté </a:t>
             </a:r>
-            <a:endParaRPr lang="hu-HU" sz="2000" b="1" cap="all" spc="400" dirty="0">
-              <a:solidFill>
-                <a:schemeClr val="tx2"/>
-              </a:solidFill>
-            </a:endParaRPr>
           </a:p>
         </p:txBody>
       </p:sp>
@@ -6936,11 +6936,7 @@
           <a:p>
             <a:r>
               <a:rPr lang="hu-HU" dirty="0" smtClean="0"/>
-              <a:t>A </a:t>
-            </a:r>
-            <a:r>
-              <a:rPr lang="hu-HU" dirty="0" err="1" smtClean="0"/>
-              <a:t>főoldal</a:t>
+              <a:t>Miről szól az oldal?</a:t>
             </a:r>
             <a:endParaRPr lang="hu-HU" dirty="0"/>
           </a:p>
@@ -6963,28 +6959,32 @@
           <a:p>
             <a:r>
               <a:rPr lang="hu-HU" dirty="0" smtClean="0"/>
-              <a:t>A főoldalon találkozhatnak a termékeinkkel melyeket </a:t>
+              <a:t>Mi hárman egy cukorgyár </a:t>
             </a:r>
             <a:r>
               <a:rPr lang="hu-HU" dirty="0"/>
-              <a:t>világ </a:t>
+              <a:t>w</a:t>
             </a:r>
             <a:r>
               <a:rPr lang="hu-HU" dirty="0" smtClean="0"/>
-              <a:t>szerte forgalmazunk.</a:t>
+              <a:t>eboldalát készítettük el.</a:t>
             </a:r>
           </a:p>
           <a:p>
             <a:r>
               <a:rPr lang="hu-HU" dirty="0" smtClean="0"/>
-              <a:t>A termékekre kattintva egy új oldal nyílik melyen megrendelhető az adott termék</a:t>
-            </a:r>
-          </a:p>
-          <a:p>
+              <a:t>Az oldal tartalmaz </a:t>
+            </a:r>
+            <a:r>
+              <a:rPr lang="hu-HU" smtClean="0"/>
+              <a:t>egy terméklistát, egy hírfalat, </a:t>
+            </a:r>
             <a:r>
               <a:rPr lang="hu-HU" dirty="0" smtClean="0"/>
-              <a:t>És csak most karácsony alkalmából készítettünk karácsonyi édességeket is</a:t>
-            </a:r>
+              <a:t>egy történetéről szóló szöveget, és egy előfizetésre lehetőséget adó űrlapot is.</a:t>
+            </a:r>
+          </a:p>
+          <a:p>
             <a:endParaRPr lang="hu-HU" dirty="0"/>
           </a:p>
         </p:txBody>
@@ -6992,7 +6992,7 @@
     </p:spTree>
     <p:extLst>
       <p:ext uri="{BB962C8B-B14F-4D97-AF65-F5344CB8AC3E}">
-        <p14:creationId xmlns:p14="http://schemas.microsoft.com/office/powerpoint/2010/main" val="2118647719"/>
+        <p14:creationId xmlns:p14="http://schemas.microsoft.com/office/powerpoint/2010/main" val="3131813263"/>
       </p:ext>
     </p:extLst>
   </p:cSld>
@@ -7036,7 +7036,7 @@
           <a:p>
             <a:r>
               <a:rPr lang="hu-HU" dirty="0" smtClean="0"/>
-              <a:t>A történetünk oldal</a:t>
+              <a:t>Ki mivel dolgozott?</a:t>
             </a:r>
             <a:endParaRPr lang="hu-HU" dirty="0"/>
           </a:p>
@@ -7059,16 +7059,60 @@
           <a:p>
             <a:r>
               <a:rPr lang="hu-HU" dirty="0" smtClean="0"/>
-              <a:t>Itt részletesen olvashatnak történetünkről</a:t>
-            </a:r>
-          </a:p>
-          <a:p>
+              <a:t>Attila: </a:t>
+            </a:r>
+            <a:r>
+              <a:rPr lang="hu-HU" dirty="0"/>
+              <a:t>képkeresés, </a:t>
+            </a:r>
             <a:r>
               <a:rPr lang="hu-HU" dirty="0" smtClean="0"/>
-              <a:t>Megtekinthetik, hogy hogyan készült régen egy csokoládé</a:t>
-            </a:r>
-          </a:p>
-          <a:p>
+              <a:t>termékeink.html, vásárlás.html </a:t>
+            </a:r>
+          </a:p>
+          <a:p>
+            <a:r>
+              <a:rPr lang="hu-HU" dirty="0" smtClean="0"/>
+              <a:t>Máté: </a:t>
+            </a:r>
+            <a:r>
+              <a:rPr lang="hu-HU" dirty="0" err="1" smtClean="0"/>
+              <a:t>css</a:t>
+            </a:r>
+            <a:r>
+              <a:rPr lang="hu-HU" dirty="0" smtClean="0"/>
+              <a:t> fele, történet-, híreink.html, prezentáció fele, vásárlás.html</a:t>
+            </a:r>
+          </a:p>
+          <a:p>
+            <a:r>
+              <a:rPr lang="hu-HU" dirty="0" smtClean="0"/>
+              <a:t>Dávid: prezentáció fele, </a:t>
+            </a:r>
+            <a:r>
+              <a:rPr lang="hu-HU" dirty="0" err="1" smtClean="0"/>
+              <a:t>css</a:t>
+            </a:r>
+            <a:r>
+              <a:rPr lang="hu-HU" dirty="0" smtClean="0"/>
+              <a:t> fele, </a:t>
+            </a:r>
+            <a:r>
+              <a:rPr lang="hu-HU" dirty="0" err="1" smtClean="0"/>
+              <a:t>royal</a:t>
+            </a:r>
+            <a:r>
+              <a:rPr lang="hu-HU" dirty="0" smtClean="0"/>
+              <a:t> tagság, </a:t>
+            </a:r>
+            <a:r>
+              <a:rPr lang="hu-HU" dirty="0" err="1" smtClean="0"/>
+              <a:t>főoldal</a:t>
+            </a:r>
+            <a:r>
+              <a:rPr lang="hu-HU" dirty="0" smtClean="0"/>
+              <a:t>, vásárlás.html</a:t>
+            </a:r>
             <a:endParaRPr lang="hu-HU" dirty="0"/>
           </a:p>
         </p:txBody>
@@ -7076,7 +7120,7 @@
     </p:spTree>
     <p:extLst>
       <p:ext uri="{BB962C8B-B14F-4D97-AF65-F5344CB8AC3E}">
-        <p14:creationId xmlns:p14="http://schemas.microsoft.com/office/powerpoint/2010/main" val="1502974514"/>
+        <p14:creationId xmlns:p14="http://schemas.microsoft.com/office/powerpoint/2010/main" val="1641300616"/>
       </p:ext>
     </p:extLst>
   </p:cSld>
@@ -7118,7 +7162,11 @@
           <a:bodyPr/>
           <a:lstStyle/>
           <a:p>
-            <a:endParaRPr lang="hu-HU"/>
+            <a:r>
+              <a:rPr lang="hu-HU" dirty="0" smtClean="0"/>
+              <a:t>Köszönjük a figyelmet!</a:t>
+            </a:r>
+            <a:endParaRPr lang="hu-HU" dirty="0"/>
           </a:p>
         </p:txBody>
       </p:sp>
@@ -7144,7 +7192,7 @@
     </p:spTree>
     <p:extLst>
       <p:ext uri="{BB962C8B-B14F-4D97-AF65-F5344CB8AC3E}">
-        <p14:creationId xmlns:p14="http://schemas.microsoft.com/office/powerpoint/2010/main" val="1641300616"/>
+        <p14:creationId xmlns:p14="http://schemas.microsoft.com/office/powerpoint/2010/main" val="1103742854"/>
       </p:ext>
     </p:extLst>
   </p:cSld>

--- a/Royal candy cukorgyár.pptx
+++ b/Royal candy cukorgyár.pptx
@@ -7,8 +7,11 @@
   <p:sldIdLst>
     <p:sldId id="256" r:id="rId2"/>
     <p:sldId id="261" r:id="rId3"/>
-    <p:sldId id="258" r:id="rId4"/>
-    <p:sldId id="260" r:id="rId5"/>
+    <p:sldId id="262" r:id="rId4"/>
+    <p:sldId id="263" r:id="rId5"/>
+    <p:sldId id="264" r:id="rId6"/>
+    <p:sldId id="258" r:id="rId7"/>
+    <p:sldId id="260" r:id="rId8"/>
   </p:sldIdLst>
   <p:sldSz cx="12192000" cy="6858000"/>
   <p:notesSz cx="6858000" cy="9144000"/>
@@ -7036,6 +7039,258 @@
           <a:p>
             <a:r>
               <a:rPr lang="hu-HU" dirty="0" smtClean="0"/>
+              <a:t>Termékeink</a:t>
+            </a:r>
+            <a:endParaRPr lang="hu-HU" dirty="0"/>
+          </a:p>
+        </p:txBody>
+      </p:sp>
+      <p:sp>
+        <p:nvSpPr>
+          <p:cNvPr id="3" name="Tartalom helye 2"/>
+          <p:cNvSpPr>
+            <a:spLocks noGrp="1"/>
+          </p:cNvSpPr>
+          <p:nvPr>
+            <p:ph idx="1"/>
+          </p:nvPr>
+        </p:nvSpPr>
+        <p:spPr/>
+        <p:txBody>
+          <a:bodyPr/>
+          <a:lstStyle/>
+          <a:p>
+            <a:r>
+              <a:rPr lang="hu-HU" dirty="0" smtClean="0"/>
+              <a:t>A termékeink fülön belül lehet választani a cukorgyár termékei közül.</a:t>
+            </a:r>
+            <a:endParaRPr lang="hu-HU" dirty="0"/>
+          </a:p>
+        </p:txBody>
+      </p:sp>
+    </p:spTree>
+    <p:extLst>
+      <p:ext uri="{BB962C8B-B14F-4D97-AF65-F5344CB8AC3E}">
+        <p14:creationId xmlns:p14="http://schemas.microsoft.com/office/powerpoint/2010/main" val="3259703560"/>
+      </p:ext>
+    </p:extLst>
+  </p:cSld>
+  <p:clrMapOvr>
+    <a:masterClrMapping/>
+  </p:clrMapOvr>
+</p:sld>
+</file>
+
+<file path=ppt/slides/slide4.xml><?xml version="1.0" encoding="utf-8"?>
+<p:sld xmlns:a="http://schemas.openxmlformats.org/drawingml/2006/main" xmlns:r="http://schemas.openxmlformats.org/officeDocument/2006/relationships" xmlns:p="http://schemas.openxmlformats.org/presentationml/2006/main">
+  <p:cSld>
+    <p:spTree>
+      <p:nvGrpSpPr>
+        <p:cNvPr id="1" name=""/>
+        <p:cNvGrpSpPr/>
+        <p:nvPr/>
+      </p:nvGrpSpPr>
+      <p:grpSpPr>
+        <a:xfrm>
+          <a:off x="0" y="0"/>
+          <a:ext cx="0" cy="0"/>
+          <a:chOff x="0" y="0"/>
+          <a:chExt cx="0" cy="0"/>
+        </a:xfrm>
+      </p:grpSpPr>
+      <p:sp>
+        <p:nvSpPr>
+          <p:cNvPr id="2" name="Cím 1"/>
+          <p:cNvSpPr>
+            <a:spLocks noGrp="1"/>
+          </p:cNvSpPr>
+          <p:nvPr>
+            <p:ph type="title"/>
+          </p:nvPr>
+        </p:nvSpPr>
+        <p:spPr/>
+        <p:txBody>
+          <a:bodyPr/>
+          <a:lstStyle/>
+          <a:p>
+            <a:r>
+              <a:rPr lang="hu-HU" dirty="0" smtClean="0"/>
+              <a:t>Történet és hírek</a:t>
+            </a:r>
+            <a:endParaRPr lang="hu-HU" dirty="0"/>
+          </a:p>
+        </p:txBody>
+      </p:sp>
+      <p:sp>
+        <p:nvSpPr>
+          <p:cNvPr id="3" name="Tartalom helye 2"/>
+          <p:cNvSpPr>
+            <a:spLocks noGrp="1"/>
+          </p:cNvSpPr>
+          <p:nvPr>
+            <p:ph idx="1"/>
+          </p:nvPr>
+        </p:nvSpPr>
+        <p:spPr/>
+        <p:txBody>
+          <a:bodyPr/>
+          <a:lstStyle/>
+          <a:p>
+            <a:r>
+              <a:rPr lang="hu-HU" dirty="0" smtClean="0"/>
+              <a:t>Ezeken az oldalakon a látogató többet tudhat meg a gyárról.</a:t>
+            </a:r>
+            <a:endParaRPr lang="hu-HU" dirty="0"/>
+          </a:p>
+        </p:txBody>
+      </p:sp>
+    </p:spTree>
+    <p:extLst>
+      <p:ext uri="{BB962C8B-B14F-4D97-AF65-F5344CB8AC3E}">
+        <p14:creationId xmlns:p14="http://schemas.microsoft.com/office/powerpoint/2010/main" val="2822938772"/>
+      </p:ext>
+    </p:extLst>
+  </p:cSld>
+  <p:clrMapOvr>
+    <a:masterClrMapping/>
+  </p:clrMapOvr>
+</p:sld>
+</file>
+
+<file path=ppt/slides/slide5.xml><?xml version="1.0" encoding="utf-8"?>
+<p:sld xmlns:a="http://schemas.openxmlformats.org/drawingml/2006/main" xmlns:r="http://schemas.openxmlformats.org/officeDocument/2006/relationships" xmlns:p="http://schemas.openxmlformats.org/presentationml/2006/main">
+  <p:cSld>
+    <p:spTree>
+      <p:nvGrpSpPr>
+        <p:cNvPr id="1" name=""/>
+        <p:cNvGrpSpPr/>
+        <p:nvPr/>
+      </p:nvGrpSpPr>
+      <p:grpSpPr>
+        <a:xfrm>
+          <a:off x="0" y="0"/>
+          <a:ext cx="0" cy="0"/>
+          <a:chOff x="0" y="0"/>
+          <a:chExt cx="0" cy="0"/>
+        </a:xfrm>
+      </p:grpSpPr>
+      <p:sp>
+        <p:nvSpPr>
+          <p:cNvPr id="2" name="Cím 1"/>
+          <p:cNvSpPr>
+            <a:spLocks noGrp="1"/>
+          </p:cNvSpPr>
+          <p:nvPr>
+            <p:ph type="title"/>
+          </p:nvPr>
+        </p:nvSpPr>
+        <p:spPr/>
+        <p:txBody>
+          <a:bodyPr/>
+          <a:lstStyle/>
+          <a:p>
+            <a:r>
+              <a:rPr lang="hu-HU" dirty="0" smtClean="0"/>
+              <a:t>Royal </a:t>
+            </a:r>
+            <a:r>
+              <a:rPr lang="hu-HU" dirty="0" err="1" smtClean="0"/>
+              <a:t>candy</a:t>
+            </a:r>
+            <a:r>
+              <a:rPr lang="hu-HU" dirty="0" smtClean="0"/>
+              <a:t> előfizetés</a:t>
+            </a:r>
+            <a:endParaRPr lang="hu-HU" dirty="0"/>
+          </a:p>
+        </p:txBody>
+      </p:sp>
+      <p:sp>
+        <p:nvSpPr>
+          <p:cNvPr id="3" name="Tartalom helye 2"/>
+          <p:cNvSpPr>
+            <a:spLocks noGrp="1"/>
+          </p:cNvSpPr>
+          <p:nvPr>
+            <p:ph idx="1"/>
+          </p:nvPr>
+        </p:nvSpPr>
+        <p:spPr/>
+        <p:txBody>
+          <a:bodyPr/>
+          <a:lstStyle/>
+          <a:p>
+            <a:r>
+              <a:rPr lang="hu-HU" dirty="0" smtClean="0"/>
+              <a:t>Itt lehet előfizetni a Royal </a:t>
+            </a:r>
+            <a:r>
+              <a:rPr lang="hu-HU" dirty="0" err="1"/>
+              <a:t>C</a:t>
+            </a:r>
+            <a:r>
+              <a:rPr lang="hu-HU" dirty="0" err="1" smtClean="0"/>
+              <a:t>andy</a:t>
+            </a:r>
+            <a:r>
+              <a:rPr lang="hu-HU" dirty="0" smtClean="0"/>
+              <a:t> tagságra ahol rengeteg előnyre tehet szert </a:t>
+            </a:r>
+            <a:r>
+              <a:rPr lang="hu-HU" smtClean="0"/>
+              <a:t>az előfizető.</a:t>
+            </a:r>
+            <a:endParaRPr lang="hu-HU" dirty="0"/>
+          </a:p>
+        </p:txBody>
+      </p:sp>
+    </p:spTree>
+    <p:extLst>
+      <p:ext uri="{BB962C8B-B14F-4D97-AF65-F5344CB8AC3E}">
+        <p14:creationId xmlns:p14="http://schemas.microsoft.com/office/powerpoint/2010/main" val="3808640122"/>
+      </p:ext>
+    </p:extLst>
+  </p:cSld>
+  <p:clrMapOvr>
+    <a:masterClrMapping/>
+  </p:clrMapOvr>
+</p:sld>
+</file>
+
+<file path=ppt/slides/slide6.xml><?xml version="1.0" encoding="utf-8"?>
+<p:sld xmlns:a="http://schemas.openxmlformats.org/drawingml/2006/main" xmlns:r="http://schemas.openxmlformats.org/officeDocument/2006/relationships" xmlns:p="http://schemas.openxmlformats.org/presentationml/2006/main">
+  <p:cSld>
+    <p:spTree>
+      <p:nvGrpSpPr>
+        <p:cNvPr id="1" name=""/>
+        <p:cNvGrpSpPr/>
+        <p:nvPr/>
+      </p:nvGrpSpPr>
+      <p:grpSpPr>
+        <a:xfrm>
+          <a:off x="0" y="0"/>
+          <a:ext cx="0" cy="0"/>
+          <a:chOff x="0" y="0"/>
+          <a:chExt cx="0" cy="0"/>
+        </a:xfrm>
+      </p:grpSpPr>
+      <p:sp>
+        <p:nvSpPr>
+          <p:cNvPr id="2" name="Cím 1"/>
+          <p:cNvSpPr>
+            <a:spLocks noGrp="1"/>
+          </p:cNvSpPr>
+          <p:nvPr>
+            <p:ph type="title"/>
+          </p:nvPr>
+        </p:nvSpPr>
+        <p:spPr/>
+        <p:txBody>
+          <a:bodyPr/>
+          <a:lstStyle/>
+          <a:p>
+            <a:r>
+              <a:rPr lang="hu-HU" dirty="0" smtClean="0"/>
               <a:t>Ki mivel dolgozott?</a:t>
             </a:r>
             <a:endParaRPr lang="hu-HU" dirty="0"/>
@@ -7130,7 +7385,7 @@
 </p:sld>
 </file>
 
-<file path=ppt/slides/slide4.xml><?xml version="1.0" encoding="utf-8"?>
+<file path=ppt/slides/slide7.xml><?xml version="1.0" encoding="utf-8"?>
 <p:sld xmlns:a="http://schemas.openxmlformats.org/drawingml/2006/main" xmlns:r="http://schemas.openxmlformats.org/officeDocument/2006/relationships" xmlns:p="http://schemas.openxmlformats.org/presentationml/2006/main">
   <p:cSld>
     <p:spTree>

--- a/Royal candy cukorgyár.pptx
+++ b/Royal candy cukorgyár.pptx
@@ -7366,7 +7366,15 @@
             </a:r>
             <a:r>
               <a:rPr lang="hu-HU" dirty="0" smtClean="0"/>
-              <a:t>, vásárlás.html</a:t>
+              <a:t>, </a:t>
+            </a:r>
+            <a:r>
+              <a:rPr lang="hu-HU" dirty="0" smtClean="0"/>
+              <a:t>vásárlás.html</a:t>
+            </a:r>
+            <a:r>
+              <a:rPr lang="hu-HU" smtClean="0"/>
+              <a:t>, meglepi</a:t>
             </a:r>
             <a:endParaRPr lang="hu-HU" dirty="0"/>
           </a:p>
